--- a/dc3/doc/think/数据存储方案思考.pptx
+++ b/dc3/doc/think/数据存储方案思考.pptx
@@ -245,7 +245,7 @@
           <a:p>
             <a:fld id="{97D790B1-A312-41A3-879A-F49F51FF11E2}" type="datetimeFigureOut">
               <a:rPr lang="zh-CN" altLang="en-US" smtClean="0"/>
-              <a:t>2019/9/4</a:t>
+              <a:t>2019/11/28</a:t>
             </a:fld>
             <a:endParaRPr lang="zh-CN" altLang="en-US"/>
           </a:p>
@@ -415,7 +415,7 @@
           <a:p>
             <a:fld id="{97D790B1-A312-41A3-879A-F49F51FF11E2}" type="datetimeFigureOut">
               <a:rPr lang="zh-CN" altLang="en-US" smtClean="0"/>
-              <a:t>2019/9/4</a:t>
+              <a:t>2019/11/28</a:t>
             </a:fld>
             <a:endParaRPr lang="zh-CN" altLang="en-US"/>
           </a:p>
@@ -595,7 +595,7 @@
           <a:p>
             <a:fld id="{97D790B1-A312-41A3-879A-F49F51FF11E2}" type="datetimeFigureOut">
               <a:rPr lang="zh-CN" altLang="en-US" smtClean="0"/>
-              <a:t>2019/9/4</a:t>
+              <a:t>2019/11/28</a:t>
             </a:fld>
             <a:endParaRPr lang="zh-CN" altLang="en-US"/>
           </a:p>
@@ -765,7 +765,7 @@
           <a:p>
             <a:fld id="{97D790B1-A312-41A3-879A-F49F51FF11E2}" type="datetimeFigureOut">
               <a:rPr lang="zh-CN" altLang="en-US" smtClean="0"/>
-              <a:t>2019/9/4</a:t>
+              <a:t>2019/11/28</a:t>
             </a:fld>
             <a:endParaRPr lang="zh-CN" altLang="en-US"/>
           </a:p>
@@ -1011,7 +1011,7 @@
           <a:p>
             <a:fld id="{97D790B1-A312-41A3-879A-F49F51FF11E2}" type="datetimeFigureOut">
               <a:rPr lang="zh-CN" altLang="en-US" smtClean="0"/>
-              <a:t>2019/9/4</a:t>
+              <a:t>2019/11/28</a:t>
             </a:fld>
             <a:endParaRPr lang="zh-CN" altLang="en-US"/>
           </a:p>
@@ -1243,7 +1243,7 @@
           <a:p>
             <a:fld id="{97D790B1-A312-41A3-879A-F49F51FF11E2}" type="datetimeFigureOut">
               <a:rPr lang="zh-CN" altLang="en-US" smtClean="0"/>
-              <a:t>2019/9/4</a:t>
+              <a:t>2019/11/28</a:t>
             </a:fld>
             <a:endParaRPr lang="zh-CN" altLang="en-US"/>
           </a:p>
@@ -1610,7 +1610,7 @@
           <a:p>
             <a:fld id="{97D790B1-A312-41A3-879A-F49F51FF11E2}" type="datetimeFigureOut">
               <a:rPr lang="zh-CN" altLang="en-US" smtClean="0"/>
-              <a:t>2019/9/4</a:t>
+              <a:t>2019/11/28</a:t>
             </a:fld>
             <a:endParaRPr lang="zh-CN" altLang="en-US"/>
           </a:p>
@@ -1728,7 +1728,7 @@
           <a:p>
             <a:fld id="{97D790B1-A312-41A3-879A-F49F51FF11E2}" type="datetimeFigureOut">
               <a:rPr lang="zh-CN" altLang="en-US" smtClean="0"/>
-              <a:t>2019/9/4</a:t>
+              <a:t>2019/11/28</a:t>
             </a:fld>
             <a:endParaRPr lang="zh-CN" altLang="en-US"/>
           </a:p>
@@ -1823,7 +1823,7 @@
           <a:p>
             <a:fld id="{97D790B1-A312-41A3-879A-F49F51FF11E2}" type="datetimeFigureOut">
               <a:rPr lang="zh-CN" altLang="en-US" smtClean="0"/>
-              <a:t>2019/9/4</a:t>
+              <a:t>2019/11/28</a:t>
             </a:fld>
             <a:endParaRPr lang="zh-CN" altLang="en-US"/>
           </a:p>
@@ -2100,7 +2100,7 @@
           <a:p>
             <a:fld id="{97D790B1-A312-41A3-879A-F49F51FF11E2}" type="datetimeFigureOut">
               <a:rPr lang="zh-CN" altLang="en-US" smtClean="0"/>
-              <a:t>2019/9/4</a:t>
+              <a:t>2019/11/28</a:t>
             </a:fld>
             <a:endParaRPr lang="zh-CN" altLang="en-US"/>
           </a:p>
@@ -2353,7 +2353,7 @@
           <a:p>
             <a:fld id="{97D790B1-A312-41A3-879A-F49F51FF11E2}" type="datetimeFigureOut">
               <a:rPr lang="zh-CN" altLang="en-US" smtClean="0"/>
-              <a:t>2019/9/4</a:t>
+              <a:t>2019/11/28</a:t>
             </a:fld>
             <a:endParaRPr lang="zh-CN" altLang="en-US"/>
           </a:p>
@@ -2566,7 +2566,7 @@
           <a:p>
             <a:fld id="{97D790B1-A312-41A3-879A-F49F51FF11E2}" type="datetimeFigureOut">
               <a:rPr lang="zh-CN" altLang="en-US" smtClean="0"/>
-              <a:t>2019/9/4</a:t>
+              <a:t>2019/11/28</a:t>
             </a:fld>
             <a:endParaRPr lang="zh-CN" altLang="en-US"/>
           </a:p>
@@ -3020,14 +3020,14 @@
       </p:sp>
       <p:sp>
         <p:nvSpPr>
-          <p:cNvPr id="9" name="文本框 8"/>
+          <p:cNvPr id="56" name="文本框 55"/>
           <p:cNvSpPr txBox="1"/>
           <p:nvPr/>
         </p:nvSpPr>
         <p:spPr>
           <a:xfrm>
-            <a:off x="183459" y="841571"/>
-            <a:ext cx="3283271" cy="1200329"/>
+            <a:off x="162890" y="688885"/>
+            <a:ext cx="4871847" cy="1477328"/>
           </a:xfrm>
           <a:prstGeom prst="rect">
             <a:avLst/>
@@ -3048,6 +3048,14 @@
               <a:rPr lang="zh-CN" altLang="en-US" dirty="0" smtClean="0"/>
               <a:t>本地做数据备份存储</a:t>
             </a:r>
+            <a:r>
+              <a:rPr lang="en-US" altLang="zh-CN" dirty="0" smtClean="0"/>
+              <a:t>24</a:t>
+            </a:r>
+            <a:r>
+              <a:rPr lang="zh-CN" altLang="en-US" dirty="0" smtClean="0"/>
+              <a:t>小时内的数据</a:t>
+            </a:r>
             <a:endParaRPr lang="en-US" altLang="zh-CN" dirty="0" smtClean="0"/>
           </a:p>
           <a:p>
@@ -3056,8 +3064,20 @@
               <a:buChar char="Ø"/>
             </a:pPr>
             <a:r>
+              <a:rPr lang="zh-CN" altLang="en-US" dirty="0"/>
+              <a:t>本地负责实时数据和</a:t>
+            </a:r>
+            <a:r>
+              <a:rPr lang="en-US" altLang="zh-CN" dirty="0"/>
+              <a:t>24</a:t>
+            </a:r>
+            <a:r>
+              <a:rPr lang="zh-CN" altLang="en-US" dirty="0"/>
+              <a:t>小时内历史数据</a:t>
+            </a:r>
+            <a:r>
               <a:rPr lang="zh-CN" altLang="en-US" dirty="0" smtClean="0"/>
-              <a:t>云端做全量数据存储</a:t>
+              <a:t>查询</a:t>
             </a:r>
             <a:endParaRPr lang="en-US" altLang="zh-CN" dirty="0" smtClean="0"/>
           </a:p>
@@ -3068,7 +3088,7 @@
             </a:pPr>
             <a:r>
               <a:rPr lang="zh-CN" altLang="en-US" dirty="0" smtClean="0"/>
-              <a:t>云端负责数据查询</a:t>
+              <a:t>云端做全量数据存储</a:t>
             </a:r>
             <a:endParaRPr lang="en-US" altLang="zh-CN" dirty="0" smtClean="0"/>
           </a:p>
@@ -3079,22 +3099,41 @@
             </a:pPr>
             <a:r>
               <a:rPr lang="zh-CN" altLang="en-US" dirty="0" smtClean="0"/>
+              <a:t>云端负责</a:t>
+            </a:r>
+            <a:r>
+              <a:rPr lang="en-US" altLang="zh-CN" dirty="0" smtClean="0"/>
+              <a:t>&gt;24h</a:t>
+            </a:r>
+            <a:r>
+              <a:rPr lang="zh-CN" altLang="en-US" dirty="0" smtClean="0"/>
+              <a:t>历史数据查询</a:t>
+            </a:r>
+            <a:endParaRPr lang="en-US" altLang="zh-CN" dirty="0" smtClean="0"/>
+          </a:p>
+          <a:p>
+            <a:pPr marL="285750" indent="-285750">
+              <a:buFont typeface="Wingdings" panose="05000000000000000000" pitchFamily="2" charset="2"/>
+              <a:buChar char="Ø"/>
+            </a:pPr>
+            <a:r>
+              <a:rPr lang="zh-CN" altLang="en-US" dirty="0" smtClean="0"/>
               <a:t>本地写数据会同步写到云端</a:t>
             </a:r>
-            <a:endParaRPr lang="zh-CN" altLang="en-US" dirty="0"/>
-          </a:p>
-        </p:txBody>
-      </p:sp>
-      <p:sp>
-        <p:nvSpPr>
-          <p:cNvPr id="10" name="云形 9"/>
+            <a:endParaRPr lang="en-US" altLang="zh-CN" dirty="0" smtClean="0"/>
+          </a:p>
+        </p:txBody>
+      </p:sp>
+      <p:sp>
+        <p:nvSpPr>
+          <p:cNvPr id="58" name="云形 57"/>
           <p:cNvSpPr/>
           <p:nvPr/>
         </p:nvSpPr>
         <p:spPr>
           <a:xfrm>
-            <a:off x="3946124" y="1466695"/>
-            <a:ext cx="2334827" cy="1171852"/>
+            <a:off x="3440095" y="1491449"/>
+            <a:ext cx="3222595" cy="1147098"/>
           </a:xfrm>
           <a:prstGeom prst="cloud">
             <a:avLst/>
@@ -3123,12 +3162,20 @@
           <a:p>
             <a:pPr algn="ctr"/>
             <a:r>
+              <a:rPr lang="zh-CN" altLang="en-US" dirty="0">
+                <a:solidFill>
+                  <a:schemeClr val="tx1"/>
+                </a:solidFill>
+              </a:rPr>
+              <a:t>云端</a:t>
+            </a:r>
+            <a:r>
               <a:rPr lang="zh-CN" altLang="en-US" dirty="0" smtClean="0">
                 <a:solidFill>
                   <a:schemeClr val="tx1"/>
                 </a:solidFill>
               </a:rPr>
-              <a:t>云端存储</a:t>
+              <a:t>存储历史数据</a:t>
             </a:r>
             <a:endParaRPr lang="en-US" altLang="zh-CN" dirty="0" smtClean="0">
               <a:solidFill>
@@ -3144,7 +3191,7 @@
                   <a:schemeClr val="tx1"/>
                 </a:solidFill>
               </a:rPr>
-              <a:t>Influx DB</a:t>
+              <a:t>Mongo DB</a:t>
             </a:r>
             <a:endParaRPr lang="zh-CN" altLang="en-US" dirty="0">
               <a:solidFill>
@@ -3156,7 +3203,7 @@
       </p:sp>
       <p:grpSp>
         <p:nvGrpSpPr>
-          <p:cNvPr id="22" name="组合 21"/>
+          <p:cNvPr id="59" name="组合 58"/>
           <p:cNvGrpSpPr/>
           <p:nvPr/>
         </p:nvGrpSpPr>
@@ -3171,7 +3218,7 @@
         </p:grpSpPr>
         <p:sp>
           <p:nvSpPr>
-            <p:cNvPr id="4" name="圆角矩形 3"/>
+            <p:cNvPr id="60" name="圆角矩形 59"/>
             <p:cNvSpPr/>
             <p:nvPr/>
           </p:nvSpPr>
@@ -3240,7 +3287,7 @@
         </p:sp>
         <p:sp>
           <p:nvSpPr>
-            <p:cNvPr id="11" name="上箭头标注 10"/>
+            <p:cNvPr id="61" name="上箭头标注 60"/>
             <p:cNvSpPr/>
             <p:nvPr/>
           </p:nvSpPr>
@@ -3293,7 +3340,7 @@
         </p:sp>
         <p:sp>
           <p:nvSpPr>
-            <p:cNvPr id="13" name="上箭头标注 12"/>
+            <p:cNvPr id="63" name="上箭头标注 62"/>
             <p:cNvSpPr/>
             <p:nvPr/>
           </p:nvSpPr>
@@ -3341,7 +3388,7 @@
         </p:sp>
         <p:sp>
           <p:nvSpPr>
-            <p:cNvPr id="14" name="上箭头标注 13"/>
+            <p:cNvPr id="65" name="上箭头标注 64"/>
             <p:cNvSpPr/>
             <p:nvPr/>
           </p:nvSpPr>
@@ -3389,10 +3436,10 @@
         </p:sp>
         <p:cxnSp>
           <p:nvCxnSpPr>
-            <p:cNvPr id="16" name="直接连接符 15"/>
+            <p:cNvPr id="66" name="直接连接符 65"/>
             <p:cNvCxnSpPr>
-              <a:stCxn id="11" idx="0"/>
-              <a:endCxn id="4" idx="2"/>
+              <a:stCxn id="61" idx="0"/>
+              <a:endCxn id="60" idx="2"/>
             </p:cNvCxnSpPr>
             <p:nvPr/>
           </p:nvCxnSpPr>
@@ -3426,10 +3473,10 @@
         </p:cxnSp>
         <p:cxnSp>
           <p:nvCxnSpPr>
-            <p:cNvPr id="18" name="直接连接符 17"/>
+            <p:cNvPr id="67" name="直接连接符 66"/>
             <p:cNvCxnSpPr>
-              <a:stCxn id="13" idx="0"/>
-              <a:endCxn id="4" idx="2"/>
+              <a:stCxn id="63" idx="0"/>
+              <a:endCxn id="60" idx="2"/>
             </p:cNvCxnSpPr>
             <p:nvPr/>
           </p:nvCxnSpPr>
@@ -3463,10 +3510,10 @@
         </p:cxnSp>
         <p:cxnSp>
           <p:nvCxnSpPr>
-            <p:cNvPr id="20" name="直接连接符 19"/>
+            <p:cNvPr id="68" name="直接连接符 67"/>
             <p:cNvCxnSpPr>
-              <a:stCxn id="14" idx="0"/>
-              <a:endCxn id="4" idx="2"/>
+              <a:stCxn id="65" idx="0"/>
+              <a:endCxn id="60" idx="2"/>
             </p:cNvCxnSpPr>
             <p:nvPr/>
           </p:nvCxnSpPr>
@@ -3500,7 +3547,7 @@
         </p:cxnSp>
         <p:sp>
           <p:nvSpPr>
-            <p:cNvPr id="21" name="圆角矩形 20"/>
+            <p:cNvPr id="70" name="圆角矩形 69"/>
             <p:cNvSpPr/>
             <p:nvPr/>
           </p:nvSpPr>
@@ -3549,7 +3596,7 @@
       </p:grpSp>
       <p:grpSp>
         <p:nvGrpSpPr>
-          <p:cNvPr id="23" name="组合 22"/>
+          <p:cNvPr id="73" name="组合 72"/>
           <p:cNvGrpSpPr/>
           <p:nvPr/>
         </p:nvGrpSpPr>
@@ -3564,7 +3611,7 @@
         </p:grpSpPr>
         <p:sp>
           <p:nvSpPr>
-            <p:cNvPr id="24" name="圆角矩形 23"/>
+            <p:cNvPr id="74" name="圆角矩形 73"/>
             <p:cNvSpPr/>
             <p:nvPr/>
           </p:nvSpPr>
@@ -3633,7 +3680,7 @@
         </p:sp>
         <p:sp>
           <p:nvSpPr>
-            <p:cNvPr id="25" name="上箭头标注 24"/>
+            <p:cNvPr id="75" name="上箭头标注 74"/>
             <p:cNvSpPr/>
             <p:nvPr/>
           </p:nvSpPr>
@@ -3686,7 +3733,7 @@
         </p:sp>
         <p:sp>
           <p:nvSpPr>
-            <p:cNvPr id="26" name="上箭头标注 25"/>
+            <p:cNvPr id="76" name="上箭头标注 75"/>
             <p:cNvSpPr/>
             <p:nvPr/>
           </p:nvSpPr>
@@ -3734,7 +3781,7 @@
         </p:sp>
         <p:sp>
           <p:nvSpPr>
-            <p:cNvPr id="27" name="上箭头标注 26"/>
+            <p:cNvPr id="77" name="上箭头标注 76"/>
             <p:cNvSpPr/>
             <p:nvPr/>
           </p:nvSpPr>
@@ -3782,10 +3829,10 @@
         </p:sp>
         <p:cxnSp>
           <p:nvCxnSpPr>
-            <p:cNvPr id="28" name="直接连接符 27"/>
+            <p:cNvPr id="78" name="直接连接符 77"/>
             <p:cNvCxnSpPr>
-              <a:stCxn id="25" idx="0"/>
-              <a:endCxn id="24" idx="2"/>
+              <a:stCxn id="75" idx="0"/>
+              <a:endCxn id="74" idx="2"/>
             </p:cNvCxnSpPr>
             <p:nvPr/>
           </p:nvCxnSpPr>
@@ -3819,10 +3866,10 @@
         </p:cxnSp>
         <p:cxnSp>
           <p:nvCxnSpPr>
-            <p:cNvPr id="29" name="直接连接符 28"/>
+            <p:cNvPr id="79" name="直接连接符 78"/>
             <p:cNvCxnSpPr>
-              <a:stCxn id="26" idx="0"/>
-              <a:endCxn id="24" idx="2"/>
+              <a:stCxn id="76" idx="0"/>
+              <a:endCxn id="74" idx="2"/>
             </p:cNvCxnSpPr>
             <p:nvPr/>
           </p:nvCxnSpPr>
@@ -3856,10 +3903,10 @@
         </p:cxnSp>
         <p:cxnSp>
           <p:nvCxnSpPr>
-            <p:cNvPr id="30" name="直接连接符 29"/>
+            <p:cNvPr id="82" name="直接连接符 81"/>
             <p:cNvCxnSpPr>
-              <a:stCxn id="27" idx="0"/>
-              <a:endCxn id="24" idx="2"/>
+              <a:stCxn id="77" idx="0"/>
+              <a:endCxn id="74" idx="2"/>
             </p:cNvCxnSpPr>
             <p:nvPr/>
           </p:nvCxnSpPr>
@@ -3893,7 +3940,7 @@
         </p:cxnSp>
         <p:sp>
           <p:nvSpPr>
-            <p:cNvPr id="31" name="圆角矩形 30"/>
+            <p:cNvPr id="83" name="圆角矩形 82"/>
             <p:cNvSpPr/>
             <p:nvPr/>
           </p:nvSpPr>
@@ -3942,7 +3989,7 @@
       </p:grpSp>
       <p:grpSp>
         <p:nvGrpSpPr>
-          <p:cNvPr id="32" name="组合 31"/>
+          <p:cNvPr id="85" name="组合 84"/>
           <p:cNvGrpSpPr/>
           <p:nvPr/>
         </p:nvGrpSpPr>
@@ -3957,7 +4004,7 @@
         </p:grpSpPr>
         <p:sp>
           <p:nvSpPr>
-            <p:cNvPr id="33" name="圆角矩形 32"/>
+            <p:cNvPr id="86" name="圆角矩形 85"/>
             <p:cNvSpPr/>
             <p:nvPr/>
           </p:nvSpPr>
@@ -4026,7 +4073,7 @@
         </p:sp>
         <p:sp>
           <p:nvSpPr>
-            <p:cNvPr id="34" name="上箭头标注 33"/>
+            <p:cNvPr id="88" name="上箭头标注 87"/>
             <p:cNvSpPr/>
             <p:nvPr/>
           </p:nvSpPr>
@@ -4079,7 +4126,7 @@
         </p:sp>
         <p:sp>
           <p:nvSpPr>
-            <p:cNvPr id="35" name="上箭头标注 34"/>
+            <p:cNvPr id="89" name="上箭头标注 88"/>
             <p:cNvSpPr/>
             <p:nvPr/>
           </p:nvSpPr>
@@ -4127,7 +4174,7 @@
         </p:sp>
         <p:sp>
           <p:nvSpPr>
-            <p:cNvPr id="36" name="上箭头标注 35"/>
+            <p:cNvPr id="91" name="上箭头标注 90"/>
             <p:cNvSpPr/>
             <p:nvPr/>
           </p:nvSpPr>
@@ -4175,10 +4222,10 @@
         </p:sp>
         <p:cxnSp>
           <p:nvCxnSpPr>
-            <p:cNvPr id="37" name="直接连接符 36"/>
+            <p:cNvPr id="92" name="直接连接符 91"/>
             <p:cNvCxnSpPr>
-              <a:stCxn id="34" idx="0"/>
-              <a:endCxn id="33" idx="2"/>
+              <a:stCxn id="88" idx="0"/>
+              <a:endCxn id="86" idx="2"/>
             </p:cNvCxnSpPr>
             <p:nvPr/>
           </p:nvCxnSpPr>
@@ -4212,10 +4259,10 @@
         </p:cxnSp>
         <p:cxnSp>
           <p:nvCxnSpPr>
-            <p:cNvPr id="38" name="直接连接符 37"/>
+            <p:cNvPr id="94" name="直接连接符 93"/>
             <p:cNvCxnSpPr>
-              <a:stCxn id="35" idx="0"/>
-              <a:endCxn id="33" idx="2"/>
+              <a:stCxn id="89" idx="0"/>
+              <a:endCxn id="86" idx="2"/>
             </p:cNvCxnSpPr>
             <p:nvPr/>
           </p:nvCxnSpPr>
@@ -4249,10 +4296,10 @@
         </p:cxnSp>
         <p:cxnSp>
           <p:nvCxnSpPr>
-            <p:cNvPr id="39" name="直接连接符 38"/>
+            <p:cNvPr id="95" name="直接连接符 94"/>
             <p:cNvCxnSpPr>
-              <a:stCxn id="36" idx="0"/>
-              <a:endCxn id="33" idx="2"/>
+              <a:stCxn id="91" idx="0"/>
+              <a:endCxn id="86" idx="2"/>
             </p:cNvCxnSpPr>
             <p:nvPr/>
           </p:nvCxnSpPr>
@@ -4286,7 +4333,7 @@
         </p:cxnSp>
         <p:sp>
           <p:nvSpPr>
-            <p:cNvPr id="40" name="圆角矩形 39"/>
+            <p:cNvPr id="96" name="圆角矩形 95"/>
             <p:cNvSpPr/>
             <p:nvPr/>
           </p:nvSpPr>
@@ -4335,7 +4382,7 @@
       </p:grpSp>
       <p:grpSp>
         <p:nvGrpSpPr>
-          <p:cNvPr id="41" name="组合 40"/>
+          <p:cNvPr id="97" name="组合 96"/>
           <p:cNvGrpSpPr/>
           <p:nvPr/>
         </p:nvGrpSpPr>
@@ -4350,7 +4397,7 @@
         </p:grpSpPr>
         <p:sp>
           <p:nvSpPr>
-            <p:cNvPr id="42" name="圆角矩形 41"/>
+            <p:cNvPr id="98" name="圆角矩形 97"/>
             <p:cNvSpPr/>
             <p:nvPr/>
           </p:nvSpPr>
@@ -4419,7 +4466,7 @@
         </p:sp>
         <p:sp>
           <p:nvSpPr>
-            <p:cNvPr id="43" name="上箭头标注 42"/>
+            <p:cNvPr id="99" name="上箭头标注 98"/>
             <p:cNvSpPr/>
             <p:nvPr/>
           </p:nvSpPr>
@@ -4472,7 +4519,7 @@
         </p:sp>
         <p:sp>
           <p:nvSpPr>
-            <p:cNvPr id="44" name="上箭头标注 43"/>
+            <p:cNvPr id="100" name="上箭头标注 99"/>
             <p:cNvSpPr/>
             <p:nvPr/>
           </p:nvSpPr>
@@ -4520,7 +4567,7 @@
         </p:sp>
         <p:sp>
           <p:nvSpPr>
-            <p:cNvPr id="45" name="上箭头标注 44"/>
+            <p:cNvPr id="101" name="上箭头标注 100"/>
             <p:cNvSpPr/>
             <p:nvPr/>
           </p:nvSpPr>
@@ -4568,10 +4615,10 @@
         </p:sp>
         <p:cxnSp>
           <p:nvCxnSpPr>
-            <p:cNvPr id="46" name="直接连接符 45"/>
+            <p:cNvPr id="102" name="直接连接符 101"/>
             <p:cNvCxnSpPr>
-              <a:stCxn id="43" idx="0"/>
-              <a:endCxn id="42" idx="2"/>
+              <a:stCxn id="99" idx="0"/>
+              <a:endCxn id="98" idx="2"/>
             </p:cNvCxnSpPr>
             <p:nvPr/>
           </p:nvCxnSpPr>
@@ -4605,10 +4652,10 @@
         </p:cxnSp>
         <p:cxnSp>
           <p:nvCxnSpPr>
-            <p:cNvPr id="47" name="直接连接符 46"/>
+            <p:cNvPr id="103" name="直接连接符 102"/>
             <p:cNvCxnSpPr>
-              <a:stCxn id="44" idx="0"/>
-              <a:endCxn id="42" idx="2"/>
+              <a:stCxn id="100" idx="0"/>
+              <a:endCxn id="98" idx="2"/>
             </p:cNvCxnSpPr>
             <p:nvPr/>
           </p:nvCxnSpPr>
@@ -4642,10 +4689,10 @@
         </p:cxnSp>
         <p:cxnSp>
           <p:nvCxnSpPr>
-            <p:cNvPr id="48" name="直接连接符 47"/>
+            <p:cNvPr id="104" name="直接连接符 103"/>
             <p:cNvCxnSpPr>
-              <a:stCxn id="45" idx="0"/>
-              <a:endCxn id="42" idx="2"/>
+              <a:stCxn id="101" idx="0"/>
+              <a:endCxn id="98" idx="2"/>
             </p:cNvCxnSpPr>
             <p:nvPr/>
           </p:nvCxnSpPr>
@@ -4679,7 +4726,7 @@
         </p:cxnSp>
         <p:sp>
           <p:nvSpPr>
-            <p:cNvPr id="49" name="圆角矩形 48"/>
+            <p:cNvPr id="105" name="圆角矩形 104"/>
             <p:cNvSpPr/>
             <p:nvPr/>
           </p:nvSpPr>
@@ -4728,17 +4775,17 @@
       </p:grpSp>
       <p:cxnSp>
         <p:nvCxnSpPr>
-          <p:cNvPr id="51" name="直接箭头连接符 50"/>
+          <p:cNvPr id="106" name="直接箭头连接符 105"/>
           <p:cNvCxnSpPr>
-            <a:stCxn id="4" idx="0"/>
-            <a:endCxn id="10" idx="1"/>
+            <a:stCxn id="60" idx="0"/>
+            <a:endCxn id="58" idx="1"/>
           </p:cNvCxnSpPr>
           <p:nvPr/>
         </p:nvCxnSpPr>
         <p:spPr>
           <a:xfrm flipV="1">
-            <a:off x="2455840" y="2637299"/>
-            <a:ext cx="2657698" cy="1504506"/>
+            <a:off x="2455840" y="2637326"/>
+            <a:ext cx="2595553" cy="1504479"/>
           </a:xfrm>
           <a:prstGeom prst="straightConnector1">
             <a:avLst/>
@@ -4769,17 +4816,17 @@
       </p:cxnSp>
       <p:cxnSp>
         <p:nvCxnSpPr>
-          <p:cNvPr id="53" name="直接箭头连接符 52"/>
+          <p:cNvPr id="107" name="直接箭头连接符 106"/>
           <p:cNvCxnSpPr>
-            <a:stCxn id="24" idx="0"/>
-            <a:endCxn id="10" idx="1"/>
+            <a:stCxn id="74" idx="0"/>
+            <a:endCxn id="58" idx="1"/>
           </p:cNvCxnSpPr>
           <p:nvPr/>
         </p:nvCxnSpPr>
         <p:spPr>
           <a:xfrm flipH="1" flipV="1">
-            <a:off x="5113538" y="2637299"/>
-            <a:ext cx="1164" cy="1504506"/>
+            <a:off x="5051393" y="2637326"/>
+            <a:ext cx="63309" cy="1504479"/>
           </a:xfrm>
           <a:prstGeom prst="straightConnector1">
             <a:avLst/>
@@ -4810,17 +4857,17 @@
       </p:cxnSp>
       <p:cxnSp>
         <p:nvCxnSpPr>
-          <p:cNvPr id="55" name="直接箭头连接符 54"/>
+          <p:cNvPr id="108" name="直接箭头连接符 107"/>
           <p:cNvCxnSpPr>
-            <a:stCxn id="10" idx="1"/>
-            <a:endCxn id="33" idx="0"/>
+            <a:stCxn id="58" idx="1"/>
+            <a:endCxn id="86" idx="0"/>
           </p:cNvCxnSpPr>
           <p:nvPr/>
         </p:nvCxnSpPr>
         <p:spPr>
           <a:xfrm>
-            <a:off x="5113538" y="2637299"/>
-            <a:ext cx="2660026" cy="1504506"/>
+            <a:off x="5051393" y="2637326"/>
+            <a:ext cx="2722171" cy="1504479"/>
           </a:xfrm>
           <a:prstGeom prst="straightConnector1">
             <a:avLst/>
@@ -4851,17 +4898,17 @@
       </p:cxnSp>
       <p:cxnSp>
         <p:nvCxnSpPr>
-          <p:cNvPr id="57" name="直接箭头连接符 56"/>
+          <p:cNvPr id="109" name="直接箭头连接符 108"/>
           <p:cNvCxnSpPr>
-            <a:stCxn id="10" idx="1"/>
-            <a:endCxn id="42" idx="0"/>
+            <a:stCxn id="58" idx="1"/>
+            <a:endCxn id="98" idx="0"/>
           </p:cNvCxnSpPr>
           <p:nvPr/>
         </p:nvCxnSpPr>
         <p:spPr>
           <a:xfrm>
-            <a:off x="5113538" y="2637299"/>
-            <a:ext cx="5318889" cy="1504506"/>
+            <a:off x="5051393" y="2637326"/>
+            <a:ext cx="5381034" cy="1504479"/>
           </a:xfrm>
           <a:prstGeom prst="straightConnector1">
             <a:avLst/>
@@ -4892,7 +4939,7 @@
       </p:cxnSp>
       <p:sp>
         <p:nvSpPr>
-          <p:cNvPr id="62" name="圆角矩形 61"/>
+          <p:cNvPr id="110" name="圆角矩形 109"/>
           <p:cNvSpPr/>
           <p:nvPr/>
         </p:nvSpPr>
@@ -4955,7 +5002,7 @@
       </p:sp>
       <p:sp>
         <p:nvSpPr>
-          <p:cNvPr id="64" name="圆角矩形 63"/>
+          <p:cNvPr id="111" name="圆角矩形 110"/>
           <p:cNvSpPr/>
           <p:nvPr/>
         </p:nvSpPr>
@@ -5018,7 +5065,7 @@
       </p:sp>
       <p:sp>
         <p:nvSpPr>
-          <p:cNvPr id="69" name="圆角矩形 68"/>
+          <p:cNvPr id="112" name="圆角矩形 111"/>
           <p:cNvSpPr/>
           <p:nvPr/>
         </p:nvSpPr>
@@ -5065,7 +5112,7 @@
       </p:sp>
       <p:sp>
         <p:nvSpPr>
-          <p:cNvPr id="71" name="左箭头 70"/>
+          <p:cNvPr id="113" name="左箭头 112"/>
           <p:cNvSpPr/>
           <p:nvPr/>
         </p:nvSpPr>
@@ -5118,13 +5165,13 @@
       </p:sp>
       <p:sp>
         <p:nvSpPr>
-          <p:cNvPr id="72" name="文本框 71"/>
+          <p:cNvPr id="114" name="文本框 113"/>
           <p:cNvSpPr txBox="1"/>
           <p:nvPr/>
         </p:nvSpPr>
         <p:spPr>
           <a:xfrm>
-            <a:off x="4713427" y="3187328"/>
+            <a:off x="4355628" y="3054558"/>
             <a:ext cx="800219" cy="276999"/>
           </a:xfrm>
           <a:prstGeom prst="rect">
@@ -5157,7 +5204,7 @@
       </p:sp>
       <p:sp>
         <p:nvSpPr>
-          <p:cNvPr id="80" name="矩形 79"/>
+          <p:cNvPr id="115" name="矩形 114"/>
           <p:cNvSpPr/>
           <p:nvPr/>
         </p:nvSpPr>
@@ -5198,10 +5245,10 @@
       </p:sp>
       <p:cxnSp>
         <p:nvCxnSpPr>
-          <p:cNvPr id="81" name="直接箭头连接符 80"/>
+          <p:cNvPr id="116" name="直接箭头连接符 115"/>
           <p:cNvCxnSpPr>
-            <a:stCxn id="69" idx="2"/>
-            <a:endCxn id="4" idx="0"/>
+            <a:stCxn id="112" idx="2"/>
+            <a:endCxn id="60" idx="0"/>
           </p:cNvCxnSpPr>
           <p:nvPr/>
         </p:nvCxnSpPr>
@@ -5241,10 +5288,10 @@
       </p:cxnSp>
       <p:cxnSp>
         <p:nvCxnSpPr>
-          <p:cNvPr id="84" name="直接箭头连接符 83"/>
+          <p:cNvPr id="117" name="直接箭头连接符 116"/>
           <p:cNvCxnSpPr>
-            <a:stCxn id="69" idx="2"/>
-            <a:endCxn id="24" idx="0"/>
+            <a:stCxn id="112" idx="2"/>
+            <a:endCxn id="74" idx="0"/>
           </p:cNvCxnSpPr>
           <p:nvPr/>
         </p:nvCxnSpPr>
@@ -5284,10 +5331,10 @@
       </p:cxnSp>
       <p:cxnSp>
         <p:nvCxnSpPr>
-          <p:cNvPr id="87" name="直接箭头连接符 86"/>
+          <p:cNvPr id="118" name="直接箭头连接符 117"/>
           <p:cNvCxnSpPr>
-            <a:stCxn id="69" idx="2"/>
-            <a:endCxn id="33" idx="0"/>
+            <a:stCxn id="112" idx="2"/>
+            <a:endCxn id="86" idx="0"/>
           </p:cNvCxnSpPr>
           <p:nvPr/>
         </p:nvCxnSpPr>
@@ -5327,10 +5374,10 @@
       </p:cxnSp>
       <p:cxnSp>
         <p:nvCxnSpPr>
-          <p:cNvPr id="90" name="直接箭头连接符 89"/>
+          <p:cNvPr id="119" name="直接箭头连接符 118"/>
           <p:cNvCxnSpPr>
-            <a:stCxn id="69" idx="2"/>
-            <a:endCxn id="42" idx="0"/>
+            <a:stCxn id="112" idx="2"/>
+            <a:endCxn id="98" idx="0"/>
           </p:cNvCxnSpPr>
           <p:nvPr/>
         </p:nvCxnSpPr>
@@ -5370,14 +5417,14 @@
       </p:cxnSp>
       <p:sp>
         <p:nvSpPr>
-          <p:cNvPr id="93" name="矩形 92"/>
+          <p:cNvPr id="120" name="矩形 119"/>
           <p:cNvSpPr/>
           <p:nvPr/>
         </p:nvSpPr>
         <p:spPr>
           <a:xfrm>
-            <a:off x="9475386" y="3185306"/>
-            <a:ext cx="784189" cy="276999"/>
+            <a:off x="9914568" y="3199635"/>
+            <a:ext cx="1915909" cy="276999"/>
           </a:xfrm>
           <a:prstGeom prst="rect">
             <a:avLst/>
@@ -5400,12 +5447,17 @@
             </a:r>
             <a:r>
               <a:rPr lang="zh-CN" altLang="en-US" sz="1200" dirty="0" smtClean="0"/>
-              <a:t>写</a:t>
-            </a:r>
-            <a:r>
-              <a:rPr lang="zh-CN" altLang="en-US" sz="1200" dirty="0"/>
-              <a:t>数据</a:t>
-            </a:r>
+              <a:t>读实时 </a:t>
+            </a:r>
+            <a:r>
+              <a:rPr lang="en-US" altLang="zh-CN" sz="1200" dirty="0" smtClean="0"/>
+              <a:t>&amp; 24</a:t>
+            </a:r>
+            <a:r>
+              <a:rPr lang="zh-CN" altLang="en-US" sz="1200" dirty="0" smtClean="0"/>
+              <a:t>小时内数据</a:t>
+            </a:r>
+            <a:endParaRPr lang="zh-CN" altLang="en-US" sz="1200" dirty="0"/>
           </a:p>
         </p:txBody>
       </p:sp>
@@ -7714,11 +7766,7 @@
             </a:pPr>
             <a:r>
               <a:rPr lang="zh-CN" altLang="en-US" dirty="0" smtClean="0"/>
-              <a:t>读写</a:t>
-            </a:r>
-            <a:r>
-              <a:rPr lang="zh-CN" altLang="en-US" dirty="0" smtClean="0"/>
-              <a:t>操作</a:t>
+              <a:t>读写操作</a:t>
             </a:r>
             <a:r>
               <a:rPr lang="zh-CN" altLang="en-US" dirty="0"/>
@@ -7726,11 +7774,7 @@
             </a:r>
             <a:r>
               <a:rPr lang="zh-CN" altLang="en-US" dirty="0" smtClean="0"/>
-              <a:t>云端</a:t>
-            </a:r>
-            <a:r>
-              <a:rPr lang="zh-CN" altLang="en-US" dirty="0" smtClean="0"/>
-              <a:t>提供接口</a:t>
+              <a:t>云端提供接口</a:t>
             </a:r>
             <a:endParaRPr lang="zh-CN" altLang="en-US" dirty="0"/>
           </a:p>
@@ -7790,12 +7834,20 @@
           <a:p>
             <a:pPr algn="ctr"/>
             <a:r>
+              <a:rPr lang="en-US" altLang="zh-CN" smtClean="0">
+                <a:solidFill>
+                  <a:schemeClr val="tx1"/>
+                </a:solidFill>
+              </a:rPr>
+              <a:t>Mongo </a:t>
+            </a:r>
+            <a:r>
               <a:rPr lang="en-US" altLang="zh-CN" dirty="0" smtClean="0">
                 <a:solidFill>
                   <a:schemeClr val="tx1"/>
                 </a:solidFill>
               </a:rPr>
-              <a:t>Influx DB</a:t>
+              <a:t>DB</a:t>
             </a:r>
             <a:endParaRPr lang="zh-CN" altLang="en-US" dirty="0">
               <a:solidFill>
